--- a/Week04-Tours/Homework/TK KDP Tour.pptx
+++ b/Week04-Tours/Homework/TK KDP Tour.pptx
@@ -109,6 +109,11 @@
       </a:defRPr>
     </a:lvl9pPr>
   </p:defaultTextStyle>
+  <p:extLst>
+    <p:ext uri="{EFAFB233-063F-42B5-8137-9DF3F51BA10A}">
+      <p15:sldGuideLst xmlns:p15="http://schemas.microsoft.com/office/powerpoint/2012/main"/>
+    </p:ext>
+  </p:extLst>
 </p:presentation>
 </file>
 
@@ -259,7 +264,7 @@
           <a:p>
             <a:fld id="{435024AB-CADB-46AB-A519-6538044E9E9E}" type="datetimeFigureOut">
               <a:rPr lang="en-US" smtClean="0"/>
-              <a:t>2/19/2024</a:t>
+              <a:t>2/22/2024</a:t>
             </a:fld>
             <a:endParaRPr lang="en-US"/>
           </a:p>
@@ -457,7 +462,7 @@
           <a:p>
             <a:fld id="{435024AB-CADB-46AB-A519-6538044E9E9E}" type="datetimeFigureOut">
               <a:rPr lang="en-US" smtClean="0"/>
-              <a:t>2/19/2024</a:t>
+              <a:t>2/22/2024</a:t>
             </a:fld>
             <a:endParaRPr lang="en-US"/>
           </a:p>
@@ -665,7 +670,7 @@
           <a:p>
             <a:fld id="{435024AB-CADB-46AB-A519-6538044E9E9E}" type="datetimeFigureOut">
               <a:rPr lang="en-US" smtClean="0"/>
-              <a:t>2/19/2024</a:t>
+              <a:t>2/22/2024</a:t>
             </a:fld>
             <a:endParaRPr lang="en-US"/>
           </a:p>
@@ -863,7 +868,7 @@
           <a:p>
             <a:fld id="{435024AB-CADB-46AB-A519-6538044E9E9E}" type="datetimeFigureOut">
               <a:rPr lang="en-US" smtClean="0"/>
-              <a:t>2/19/2024</a:t>
+              <a:t>2/22/2024</a:t>
             </a:fld>
             <a:endParaRPr lang="en-US"/>
           </a:p>
@@ -1138,7 +1143,7 @@
           <a:p>
             <a:fld id="{435024AB-CADB-46AB-A519-6538044E9E9E}" type="datetimeFigureOut">
               <a:rPr lang="en-US" smtClean="0"/>
-              <a:t>2/19/2024</a:t>
+              <a:t>2/22/2024</a:t>
             </a:fld>
             <a:endParaRPr lang="en-US"/>
           </a:p>
@@ -1403,7 +1408,7 @@
           <a:p>
             <a:fld id="{435024AB-CADB-46AB-A519-6538044E9E9E}" type="datetimeFigureOut">
               <a:rPr lang="en-US" smtClean="0"/>
-              <a:t>2/19/2024</a:t>
+              <a:t>2/22/2024</a:t>
             </a:fld>
             <a:endParaRPr lang="en-US"/>
           </a:p>
@@ -1815,7 +1820,7 @@
           <a:p>
             <a:fld id="{435024AB-CADB-46AB-A519-6538044E9E9E}" type="datetimeFigureOut">
               <a:rPr lang="en-US" smtClean="0"/>
-              <a:t>2/19/2024</a:t>
+              <a:t>2/22/2024</a:t>
             </a:fld>
             <a:endParaRPr lang="en-US"/>
           </a:p>
@@ -1956,7 +1961,7 @@
           <a:p>
             <a:fld id="{435024AB-CADB-46AB-A519-6538044E9E9E}" type="datetimeFigureOut">
               <a:rPr lang="en-US" smtClean="0"/>
-              <a:t>2/19/2024</a:t>
+              <a:t>2/22/2024</a:t>
             </a:fld>
             <a:endParaRPr lang="en-US"/>
           </a:p>
@@ -2069,7 +2074,7 @@
           <a:p>
             <a:fld id="{435024AB-CADB-46AB-A519-6538044E9E9E}" type="datetimeFigureOut">
               <a:rPr lang="en-US" smtClean="0"/>
-              <a:t>2/19/2024</a:t>
+              <a:t>2/22/2024</a:t>
             </a:fld>
             <a:endParaRPr lang="en-US"/>
           </a:p>
@@ -2380,7 +2385,7 @@
           <a:p>
             <a:fld id="{435024AB-CADB-46AB-A519-6538044E9E9E}" type="datetimeFigureOut">
               <a:rPr lang="en-US" smtClean="0"/>
-              <a:t>2/19/2024</a:t>
+              <a:t>2/22/2024</a:t>
             </a:fld>
             <a:endParaRPr lang="en-US"/>
           </a:p>
@@ -2668,7 +2673,7 @@
           <a:p>
             <a:fld id="{435024AB-CADB-46AB-A519-6538044E9E9E}" type="datetimeFigureOut">
               <a:rPr lang="en-US" smtClean="0"/>
-              <a:t>2/19/2024</a:t>
+              <a:t>2/22/2024</a:t>
             </a:fld>
             <a:endParaRPr lang="en-US"/>
           </a:p>
@@ -2745,9 +2750,27 @@
 <p:sldMaster xmlns:a="http://schemas.openxmlformats.org/drawingml/2006/main" xmlns:r="http://schemas.openxmlformats.org/officeDocument/2006/relationships" xmlns:p="http://schemas.openxmlformats.org/presentationml/2006/main">
   <p:cSld>
     <p:bg>
-      <p:bgRef idx="1001">
-        <a:schemeClr val="bg1"/>
-      </p:bgRef>
+      <p:bgPr>
+        <a:gradFill flip="none" rotWithShape="1">
+          <a:gsLst>
+            <a:gs pos="0">
+              <a:srgbClr val="0C243A"/>
+            </a:gs>
+            <a:gs pos="100000">
+              <a:srgbClr val="1D5385"/>
+            </a:gs>
+            <a:gs pos="100000">
+              <a:schemeClr val="accent1">
+                <a:lumMod val="30000"/>
+                <a:lumOff val="70000"/>
+              </a:schemeClr>
+            </a:gs>
+          </a:gsLst>
+          <a:lin ang="5400000" scaled="1"/>
+          <a:tileRect/>
+        </a:gradFill>
+        <a:effectLst/>
+      </p:bgPr>
     </p:bg>
     <p:spTree>
       <p:nvGrpSpPr>
@@ -2909,7 +2932,7 @@
           <a:p>
             <a:fld id="{435024AB-CADB-46AB-A519-6538044E9E9E}" type="datetimeFigureOut">
               <a:rPr lang="en-US" smtClean="0"/>
-              <a:t>2/19/2024</a:t>
+              <a:t>2/22/2024</a:t>
             </a:fld>
             <a:endParaRPr lang="en-US"/>
           </a:p>
@@ -3312,14 +3335,6 @@
 <file path=ppt/slides/slide1.xml><?xml version="1.0" encoding="utf-8"?>
 <p:sld xmlns:a="http://schemas.openxmlformats.org/drawingml/2006/main" xmlns:r="http://schemas.openxmlformats.org/officeDocument/2006/relationships" xmlns:p="http://schemas.openxmlformats.org/presentationml/2006/main">
   <p:cSld>
-    <p:bg>
-      <p:bgPr>
-        <a:solidFill>
-          <a:schemeClr val="bg1"/>
-        </a:solidFill>
-        <a:effectLst/>
-      </p:bgPr>
-    </p:bg>
     <p:spTree>
       <p:nvGrpSpPr>
         <p:cNvPr id="1" name=""/>
@@ -3972,11 +3987,11 @@
   <p:clrMapOvr>
     <a:masterClrMapping/>
   </p:clrMapOvr>
-  <mc:AlternateContent xmlns:mc="http://schemas.openxmlformats.org/markup-compatibility/2006">
-    <mc:Choice xmlns:p14="http://schemas.microsoft.com/office/powerpoint/2010/main" Requires="p14">
+  <mc:AlternateContent xmlns:mc="http://schemas.openxmlformats.org/markup-compatibility/2006" xmlns:p14="http://schemas.microsoft.com/office/powerpoint/2010/main">
+    <mc:Choice Requires="p14">
       <p:transition spd="slow" p14:dur="2000" advClick="0" advTm="3000"/>
     </mc:Choice>
-    <mc:Fallback>
+    <mc:Fallback xmlns="">
       <p:transition spd="slow" advClick="0" advTm="3000"/>
     </mc:Fallback>
   </mc:AlternateContent>
@@ -4039,11 +4054,11 @@
   <p:clrMapOvr>
     <a:masterClrMapping/>
   </p:clrMapOvr>
-  <mc:AlternateContent xmlns:mc="http://schemas.openxmlformats.org/markup-compatibility/2006">
-    <mc:Choice xmlns:p14="http://schemas.microsoft.com/office/powerpoint/2010/main" Requires="p14">
+  <mc:AlternateContent xmlns:mc="http://schemas.openxmlformats.org/markup-compatibility/2006" xmlns:p14="http://schemas.microsoft.com/office/powerpoint/2010/main">
+    <mc:Choice Requires="p14">
       <p:transition spd="slow" p14:dur="2000" advTm="3000"/>
     </mc:Choice>
-    <mc:Fallback>
+    <mc:Fallback xmlns="">
       <p:transition spd="slow" advTm="3000"/>
     </mc:Fallback>
   </mc:AlternateContent>
@@ -4213,11 +4228,11 @@
   <p:clrMapOvr>
     <a:masterClrMapping/>
   </p:clrMapOvr>
-  <mc:AlternateContent xmlns:mc="http://schemas.openxmlformats.org/markup-compatibility/2006">
-    <mc:Choice xmlns:p14="http://schemas.microsoft.com/office/powerpoint/2010/main" Requires="p14">
+  <mc:AlternateContent xmlns:mc="http://schemas.openxmlformats.org/markup-compatibility/2006" xmlns:p14="http://schemas.microsoft.com/office/powerpoint/2010/main">
+    <mc:Choice Requires="p14">
       <p:transition spd="slow" p14:dur="2000" advTm="3000"/>
     </mc:Choice>
-    <mc:Fallback>
+    <mc:Fallback xmlns="">
       <p:transition spd="slow" advTm="3000"/>
     </mc:Fallback>
   </mc:AlternateContent>
@@ -4384,11 +4399,11 @@
   <p:clrMapOvr>
     <a:masterClrMapping/>
   </p:clrMapOvr>
-  <mc:AlternateContent xmlns:mc="http://schemas.openxmlformats.org/markup-compatibility/2006">
-    <mc:Choice xmlns:p14="http://schemas.microsoft.com/office/powerpoint/2010/main" Requires="p14">
+  <mc:AlternateContent xmlns:mc="http://schemas.openxmlformats.org/markup-compatibility/2006" xmlns:p14="http://schemas.microsoft.com/office/powerpoint/2010/main">
+    <mc:Choice Requires="p14">
       <p:transition spd="slow" p14:dur="2000" advTm="3000"/>
     </mc:Choice>
-    <mc:Fallback>
+    <mc:Fallback xmlns="">
       <p:transition spd="slow" advTm="3000"/>
     </mc:Fallback>
   </mc:AlternateContent>
@@ -4555,11 +4570,11 @@
   <p:clrMapOvr>
     <a:masterClrMapping/>
   </p:clrMapOvr>
-  <mc:AlternateContent xmlns:mc="http://schemas.openxmlformats.org/markup-compatibility/2006">
-    <mc:Choice xmlns:p14="http://schemas.microsoft.com/office/powerpoint/2010/main" Requires="p14">
+  <mc:AlternateContent xmlns:mc="http://schemas.openxmlformats.org/markup-compatibility/2006" xmlns:p14="http://schemas.microsoft.com/office/powerpoint/2010/main">
+    <mc:Choice Requires="p14">
       <p:transition spd="slow" p14:dur="2000" advTm="3000"/>
     </mc:Choice>
-    <mc:Fallback>
+    <mc:Fallback xmlns="">
       <p:transition spd="slow" advTm="3000"/>
     </mc:Fallback>
   </mc:AlternateContent>
@@ -4729,11 +4744,11 @@
   <p:clrMapOvr>
     <a:masterClrMapping/>
   </p:clrMapOvr>
-  <mc:AlternateContent xmlns:mc="http://schemas.openxmlformats.org/markup-compatibility/2006">
-    <mc:Choice xmlns:p14="http://schemas.microsoft.com/office/powerpoint/2010/main" Requires="p14">
+  <mc:AlternateContent xmlns:mc="http://schemas.openxmlformats.org/markup-compatibility/2006" xmlns:p14="http://schemas.microsoft.com/office/powerpoint/2010/main">
+    <mc:Choice Requires="p14">
       <p:transition spd="slow" p14:dur="2000" advTm="3000"/>
     </mc:Choice>
-    <mc:Fallback>
+    <mc:Fallback xmlns="">
       <p:transition spd="slow" advTm="3000"/>
     </mc:Fallback>
   </mc:AlternateContent>
